--- a/workflow.pptx
+++ b/workflow.pptx
@@ -260,7 +260,7 @@
           <a:p>
             <a:fld id="{4FB124BD-CA3A-4AC7-A75F-7D82A8FDC896}" type="datetimeFigureOut">
               <a:rPr lang="en-US" smtClean="0"/>
-              <a:t>1/16/2024</a:t>
+              <a:t>1/17/2024</a:t>
             </a:fld>
             <a:endParaRPr lang="en-US"/>
           </a:p>
@@ -458,7 +458,7 @@
           <a:p>
             <a:fld id="{4FB124BD-CA3A-4AC7-A75F-7D82A8FDC896}" type="datetimeFigureOut">
               <a:rPr lang="en-US" smtClean="0"/>
-              <a:t>1/16/2024</a:t>
+              <a:t>1/17/2024</a:t>
             </a:fld>
             <a:endParaRPr lang="en-US"/>
           </a:p>
@@ -666,7 +666,7 @@
           <a:p>
             <a:fld id="{4FB124BD-CA3A-4AC7-A75F-7D82A8FDC896}" type="datetimeFigureOut">
               <a:rPr lang="en-US" smtClean="0"/>
-              <a:t>1/16/2024</a:t>
+              <a:t>1/17/2024</a:t>
             </a:fld>
             <a:endParaRPr lang="en-US"/>
           </a:p>
@@ -864,7 +864,7 @@
           <a:p>
             <a:fld id="{4FB124BD-CA3A-4AC7-A75F-7D82A8FDC896}" type="datetimeFigureOut">
               <a:rPr lang="en-US" smtClean="0"/>
-              <a:t>1/16/2024</a:t>
+              <a:t>1/17/2024</a:t>
             </a:fld>
             <a:endParaRPr lang="en-US"/>
           </a:p>
@@ -1139,7 +1139,7 @@
           <a:p>
             <a:fld id="{4FB124BD-CA3A-4AC7-A75F-7D82A8FDC896}" type="datetimeFigureOut">
               <a:rPr lang="en-US" smtClean="0"/>
-              <a:t>1/16/2024</a:t>
+              <a:t>1/17/2024</a:t>
             </a:fld>
             <a:endParaRPr lang="en-US"/>
           </a:p>
@@ -1404,7 +1404,7 @@
           <a:p>
             <a:fld id="{4FB124BD-CA3A-4AC7-A75F-7D82A8FDC896}" type="datetimeFigureOut">
               <a:rPr lang="en-US" smtClean="0"/>
-              <a:t>1/16/2024</a:t>
+              <a:t>1/17/2024</a:t>
             </a:fld>
             <a:endParaRPr lang="en-US"/>
           </a:p>
@@ -1816,7 +1816,7 @@
           <a:p>
             <a:fld id="{4FB124BD-CA3A-4AC7-A75F-7D82A8FDC896}" type="datetimeFigureOut">
               <a:rPr lang="en-US" smtClean="0"/>
-              <a:t>1/16/2024</a:t>
+              <a:t>1/17/2024</a:t>
             </a:fld>
             <a:endParaRPr lang="en-US"/>
           </a:p>
@@ -1957,7 +1957,7 @@
           <a:p>
             <a:fld id="{4FB124BD-CA3A-4AC7-A75F-7D82A8FDC896}" type="datetimeFigureOut">
               <a:rPr lang="en-US" smtClean="0"/>
-              <a:t>1/16/2024</a:t>
+              <a:t>1/17/2024</a:t>
             </a:fld>
             <a:endParaRPr lang="en-US"/>
           </a:p>
@@ -2070,7 +2070,7 @@
           <a:p>
             <a:fld id="{4FB124BD-CA3A-4AC7-A75F-7D82A8FDC896}" type="datetimeFigureOut">
               <a:rPr lang="en-US" smtClean="0"/>
-              <a:t>1/16/2024</a:t>
+              <a:t>1/17/2024</a:t>
             </a:fld>
             <a:endParaRPr lang="en-US"/>
           </a:p>
@@ -2381,7 +2381,7 @@
           <a:p>
             <a:fld id="{4FB124BD-CA3A-4AC7-A75F-7D82A8FDC896}" type="datetimeFigureOut">
               <a:rPr lang="en-US" smtClean="0"/>
-              <a:t>1/16/2024</a:t>
+              <a:t>1/17/2024</a:t>
             </a:fld>
             <a:endParaRPr lang="en-US"/>
           </a:p>
@@ -2669,7 +2669,7 @@
           <a:p>
             <a:fld id="{4FB124BD-CA3A-4AC7-A75F-7D82A8FDC896}" type="datetimeFigureOut">
               <a:rPr lang="en-US" smtClean="0"/>
-              <a:t>1/16/2024</a:t>
+              <a:t>1/17/2024</a:t>
             </a:fld>
             <a:endParaRPr lang="en-US"/>
           </a:p>
@@ -2910,7 +2910,7 @@
           <a:p>
             <a:fld id="{4FB124BD-CA3A-4AC7-A75F-7D82A8FDC896}" type="datetimeFigureOut">
               <a:rPr lang="en-US" smtClean="0"/>
-              <a:t>1/16/2024</a:t>
+              <a:t>1/17/2024</a:t>
             </a:fld>
             <a:endParaRPr lang="en-US"/>
           </a:p>
@@ -3914,7 +3914,7 @@
             </a:prstGeom>
             <a:ln w="76200" cap="flat" cmpd="sng" algn="ctr">
               <a:solidFill>
-                <a:schemeClr val="tx1"/>
+                <a:schemeClr val="accent2"/>
               </a:solidFill>
               <a:prstDash val="dash"/>
               <a:round/>
@@ -4050,7 +4050,7 @@
                 <a:buAutoNum type="arabicPeriod"/>
               </a:pPr>
               <a:r>
-                <a:rPr lang="en-US" dirty="0">
+                <a:rPr lang="en-US" sz="1600" dirty="0">
                   <a:ln w="0"/>
                   <a:solidFill>
                     <a:schemeClr val="tx1"/>
@@ -4072,7 +4072,7 @@
                 <a:buAutoNum type="alphaUcPeriod"/>
               </a:pPr>
               <a:r>
-                <a:rPr lang="en-US" dirty="0">
+                <a:rPr lang="en-US" sz="1600" dirty="0">
                   <a:ln w="0"/>
                   <a:solidFill>
                     <a:schemeClr val="tx1"/>
@@ -4094,7 +4094,7 @@
                 <a:buAutoNum type="alphaUcPeriod"/>
               </a:pPr>
               <a:r>
-                <a:rPr lang="en-US" dirty="0">
+                <a:rPr lang="en-US" sz="1600" dirty="0">
                   <a:ln w="0"/>
                   <a:solidFill>
                     <a:schemeClr val="tx1"/>
@@ -4116,7 +4116,7 @@
                 <a:buAutoNum type="arabicPeriod"/>
               </a:pPr>
               <a:r>
-                <a:rPr lang="en-US" dirty="0">
+                <a:rPr lang="en-US" sz="1600" dirty="0">
                   <a:ln w="0"/>
                   <a:solidFill>
                     <a:schemeClr val="tx1"/>
@@ -4138,7 +4138,7 @@
                 <a:buAutoNum type="arabicPeriod"/>
               </a:pPr>
               <a:r>
-                <a:rPr lang="en-US" dirty="0">
+                <a:rPr lang="en-US" sz="1600" dirty="0">
                   <a:ln w="0"/>
                   <a:solidFill>
                     <a:schemeClr val="tx1"/>
@@ -4160,7 +4160,29 @@
                 <a:buAutoNum type="arabicPeriod"/>
               </a:pPr>
               <a:r>
-                <a:rPr lang="en-US" dirty="0">
+                <a:rPr lang="en-US" sz="1600" dirty="0">
+                  <a:ln w="0"/>
+                  <a:solidFill>
+                    <a:schemeClr val="tx1"/>
+                  </a:solidFill>
+                  <a:effectLst>
+                    <a:outerShdw blurRad="38100" dist="19050" dir="2700000" algn="tl" rotWithShape="0">
+                      <a:schemeClr val="dk1">
+                        <a:alpha val="40000"/>
+                      </a:schemeClr>
+                    </a:outerShdw>
+                  </a:effectLst>
+                </a:rPr>
+                <a:t>If there is a retry option provided, retry up to given number.</a:t>
+              </a:r>
+            </a:p>
+            <a:p>
+              <a:pPr marL="342900" indent="-342900">
+                <a:buFont typeface="+mj-lt"/>
+                <a:buAutoNum type="arabicPeriod"/>
+              </a:pPr>
+              <a:r>
+                <a:rPr lang="en-US" sz="1600" dirty="0">
                   <a:ln w="0"/>
                   <a:solidFill>
                     <a:schemeClr val="tx1"/>
@@ -4175,25 +4197,6 @@
                 </a:rPr>
                 <a:t>Close. </a:t>
               </a:r>
-            </a:p>
-            <a:p>
-              <a:pPr marL="342900" indent="-342900">
-                <a:buFont typeface="+mj-lt"/>
-                <a:buAutoNum type="arabicPeriod"/>
-              </a:pPr>
-              <a:endParaRPr lang="en-US" dirty="0">
-                <a:ln w="0"/>
-                <a:solidFill>
-                  <a:schemeClr val="tx1"/>
-                </a:solidFill>
-                <a:effectLst>
-                  <a:outerShdw blurRad="38100" dist="19050" dir="2700000" algn="tl" rotWithShape="0">
-                    <a:schemeClr val="dk1">
-                      <a:alpha val="40000"/>
-                    </a:schemeClr>
-                  </a:outerShdw>
-                </a:effectLst>
-              </a:endParaRPr>
             </a:p>
           </p:txBody>
         </p:sp>
@@ -4214,6 +4217,14 @@
 <file path=ppt/slides/slide2.xml><?xml version="1.0" encoding="utf-8"?>
 <p:sld xmlns:a="http://schemas.openxmlformats.org/drawingml/2006/main" xmlns:r="http://schemas.openxmlformats.org/officeDocument/2006/relationships" xmlns:p="http://schemas.openxmlformats.org/presentationml/2006/main">
   <p:cSld>
+    <p:bg>
+      <p:bgPr>
+        <a:solidFill>
+          <a:schemeClr val="bg1"/>
+        </a:solidFill>
+        <a:effectLst/>
+      </p:bgPr>
+    </p:bg>
     <p:spTree>
       <p:nvGrpSpPr>
         <p:cNvPr id="1" name=""/>
@@ -4230,10 +4241,10 @@
       </p:grpSpPr>
       <p:pic>
         <p:nvPicPr>
-          <p:cNvPr id="2" name="Picture 1">
-            <a:extLst>
-              <a:ext uri="{FF2B5EF4-FFF2-40B4-BE49-F238E27FC236}">
-                <a16:creationId xmlns:a16="http://schemas.microsoft.com/office/drawing/2014/main" id="{40739019-C920-8085-2F91-66F1192C4A02}"/>
+          <p:cNvPr id="3" name="Picture 2">
+            <a:extLst>
+              <a:ext uri="{FF2B5EF4-FFF2-40B4-BE49-F238E27FC236}">
+                <a16:creationId xmlns:a16="http://schemas.microsoft.com/office/drawing/2014/main" id="{1A9AE25E-B145-F03E-7826-38ECA02CBA09}"/>
               </a:ext>
             </a:extLst>
           </p:cNvPr>
@@ -4250,8 +4261,8 @@
         </p:blipFill>
         <p:spPr>
           <a:xfrm>
-            <a:off x="0" y="164475"/>
-            <a:ext cx="12192000" cy="6529049"/>
+            <a:off x="360585" y="418086"/>
+            <a:ext cx="11470830" cy="6165574"/>
           </a:xfrm>
           <a:prstGeom prst="rect">
             <a:avLst/>
